--- a/Test_result/PPT主题模板.pptx
+++ b/Test_result/PPT主题模板.pptx
@@ -1,11 +1,22 @@
 
 <file path=ppt/presentation.xml><?xml version="1.0" encoding="utf-8"?>
-<p:presentation xmlns:a="http://schemas.openxmlformats.org/drawingml/2006/main" xmlns:r="http://schemas.openxmlformats.org/officeDocument/2006/relationships" xmlns:p="http://schemas.openxmlformats.org/presentationml/2006/main" saveSubsetFonts="1">
+<p:presentation xmlns:a="http://schemas.openxmlformats.org/drawingml/2006/main" xmlns:r="http://schemas.openxmlformats.org/officeDocument/2006/relationships" xmlns:p="http://schemas.openxmlformats.org/presentationml/2006/main">
   <p:sldMasterIdLst>
-    <p:sldMasterId id="2147483660" r:id="rId1"/>
+    <p:sldMasterId id="2147483648" r:id="rId1"/>
   </p:sldMasterIdLst>
   <p:sldIdLst>
-    <p:sldId id="16691788" r:id="rId2"/>
+    <p:sldId id="16691788" r:id="rId3"/>
+    <p:sldId id="16691789" r:id="rId4"/>
+    <p:sldId id="16691790" r:id="rId5"/>
+    <p:sldId id="16691791" r:id="rId6"/>
+    <p:sldId id="16691792" r:id="rId7"/>
+    <p:sldId id="16691793" r:id="rId8"/>
+    <p:sldId id="16691794" r:id="rId9"/>
+    <p:sldId id="16691795" r:id="rId10"/>
+    <p:sldId id="16691796" r:id="rId11"/>
+    <p:sldId id="16691797" r:id="rId12"/>
+    <p:sldId id="16691798" r:id="rId13"/>
+    <p:sldId id="16691799" r:id="rId14"/>
   </p:sldIdLst>
   <p:sldSz cx="12192000" cy="6858000"/>
   <p:notesSz cx="6858000" cy="9144000"/>
@@ -104,11 +115,6 @@
       </a:defRPr>
     </a:lvl9pPr>
   </p:defaultTextStyle>
-  <p:extLst>
-    <p:ext uri="{EFAFB233-063F-42B5-8137-9DF3F51BA10A}">
-      <p15:sldGuideLst xmlns:p15="http://schemas.microsoft.com/office/powerpoint/2012/main"/>
-    </p:ext>
-  </p:extLst>
 </p:presentation>
 </file>
 
@@ -153,6 +159,7 @@
               <a:rPr lang="zh-CN" altLang="en-US"/>
               <a:t>单击此处编辑母版标题样式</a:t>
             </a:r>
+            <a:endParaRPr lang="zh-CN" altLang="en-US"/>
           </a:p>
         </p:txBody>
       </p:sp>
@@ -185,7 +192,7 @@
                 </a:solidFill>
               </a:defRPr>
             </a:lvl1pPr>
-            <a:lvl2pPr marL="548320" indent="0" algn="ctr">
+            <a:lvl2pPr marL="548005" indent="0" algn="ctr">
               <a:buNone/>
               <a:defRPr>
                 <a:solidFill>
@@ -195,7 +202,7 @@
                 </a:solidFill>
               </a:defRPr>
             </a:lvl2pPr>
-            <a:lvl3pPr marL="1096640" indent="0" algn="ctr">
+            <a:lvl3pPr marL="1096645" indent="0" algn="ctr">
               <a:buNone/>
               <a:defRPr>
                 <a:solidFill>
@@ -205,7 +212,7 @@
                 </a:solidFill>
               </a:defRPr>
             </a:lvl3pPr>
-            <a:lvl4pPr marL="1644960" indent="0" algn="ctr">
+            <a:lvl4pPr marL="1644650" indent="0" algn="ctr">
               <a:buNone/>
               <a:defRPr>
                 <a:solidFill>
@@ -215,7 +222,7 @@
                 </a:solidFill>
               </a:defRPr>
             </a:lvl4pPr>
-            <a:lvl5pPr marL="2193280" indent="0" algn="ctr">
+            <a:lvl5pPr marL="2193290" indent="0" algn="ctr">
               <a:buNone/>
               <a:defRPr>
                 <a:solidFill>
@@ -225,7 +232,7 @@
                 </a:solidFill>
               </a:defRPr>
             </a:lvl5pPr>
-            <a:lvl6pPr marL="2741600" indent="0" algn="ctr">
+            <a:lvl6pPr marL="2741295" indent="0" algn="ctr">
               <a:buNone/>
               <a:defRPr>
                 <a:solidFill>
@@ -235,7 +242,7 @@
                 </a:solidFill>
               </a:defRPr>
             </a:lvl6pPr>
-            <a:lvl7pPr marL="3289920" indent="0" algn="ctr">
+            <a:lvl7pPr marL="3289935" indent="0" algn="ctr">
               <a:buNone/>
               <a:defRPr>
                 <a:solidFill>
@@ -245,7 +252,7 @@
                 </a:solidFill>
               </a:defRPr>
             </a:lvl7pPr>
-            <a:lvl8pPr marL="3838240" indent="0" algn="ctr">
+            <a:lvl8pPr marL="3837940" indent="0" algn="ctr">
               <a:buNone/>
               <a:defRPr>
                 <a:solidFill>
@@ -255,7 +262,7 @@
                 </a:solidFill>
               </a:defRPr>
             </a:lvl8pPr>
-            <a:lvl9pPr marL="4386560" indent="0" algn="ctr">
+            <a:lvl9pPr marL="4386580" indent="0" algn="ctr">
               <a:buNone/>
               <a:defRPr>
                 <a:solidFill>
@@ -271,6 +278,7 @@
               <a:rPr lang="zh-CN" altLang="en-US"/>
               <a:t>单击此处编辑母版副标题样式</a:t>
             </a:r>
+            <a:endParaRPr lang="zh-CN" altLang="en-US"/>
           </a:p>
         </p:txBody>
       </p:sp>
@@ -298,10 +306,6 @@
             </a:pPr>
             <a:fld id="{3DD732C8-7304-41BC-8C15-84199D6D1BE0}" type="datetimeFigureOut">
               <a:rPr lang="zh-CN" altLang="en-US"/>
-              <a:pPr>
-                <a:defRPr/>
-              </a:pPr>
-              <a:t>2026-1-29</a:t>
             </a:fld>
             <a:endParaRPr lang="zh-CN" altLang="en-US"/>
           </a:p>
@@ -357,21 +361,12 @@
             </a:pPr>
             <a:fld id="{0190D3A9-F372-4609-94BC-24C21C57E5FD}" type="slidenum">
               <a:rPr lang="zh-CN" altLang="en-US"/>
-              <a:pPr>
-                <a:defRPr/>
-              </a:pPr>
-              <a:t>‹#›</a:t>
             </a:fld>
             <a:endParaRPr lang="zh-CN" altLang="en-US"/>
           </a:p>
         </p:txBody>
       </p:sp>
     </p:spTree>
-    <p:extLst>
-      <p:ext uri="{BB962C8B-B14F-4D97-AF65-F5344CB8AC3E}">
-        <p14:creationId xmlns:p14="http://schemas.microsoft.com/office/powerpoint/2010/main" val="2436990560"/>
-      </p:ext>
-    </p:extLst>
   </p:cSld>
   <p:clrMapOvr>
     <a:masterClrMapping/>
@@ -415,6 +410,7 @@
               <a:rPr lang="zh-CN" altLang="en-US"/>
               <a:t>单击此处编辑母版标题样式</a:t>
             </a:r>
+            <a:endParaRPr lang="zh-CN" altLang="en-US"/>
           </a:p>
         </p:txBody>
       </p:sp>
@@ -438,6 +434,7 @@
               <a:rPr lang="zh-CN" altLang="en-US"/>
               <a:t>单击此处编辑母版文本样式</a:t>
             </a:r>
+            <a:endParaRPr lang="zh-CN" altLang="en-US"/>
           </a:p>
           <a:p>
             <a:pPr lvl="1"/>
@@ -445,6 +442,7 @@
               <a:rPr lang="zh-CN" altLang="en-US"/>
               <a:t>第二级</a:t>
             </a:r>
+            <a:endParaRPr lang="zh-CN" altLang="en-US"/>
           </a:p>
           <a:p>
             <a:pPr lvl="2"/>
@@ -452,6 +450,7 @@
               <a:rPr lang="zh-CN" altLang="en-US"/>
               <a:t>第三级</a:t>
             </a:r>
+            <a:endParaRPr lang="zh-CN" altLang="en-US"/>
           </a:p>
           <a:p>
             <a:pPr lvl="3"/>
@@ -459,6 +458,7 @@
               <a:rPr lang="zh-CN" altLang="en-US"/>
               <a:t>第四级</a:t>
             </a:r>
+            <a:endParaRPr lang="zh-CN" altLang="en-US"/>
           </a:p>
           <a:p>
             <a:pPr lvl="4"/>
@@ -466,6 +466,7 @@
               <a:rPr lang="zh-CN" altLang="en-US"/>
               <a:t>第五级</a:t>
             </a:r>
+            <a:endParaRPr lang="zh-CN" altLang="en-US"/>
           </a:p>
         </p:txBody>
       </p:sp>
@@ -493,10 +494,6 @@
             </a:pPr>
             <a:fld id="{35B8D3CD-AB9E-4B43-A59A-B967D96AC4E4}" type="datetimeFigureOut">
               <a:rPr lang="zh-CN" altLang="en-US"/>
-              <a:pPr>
-                <a:defRPr/>
-              </a:pPr>
-              <a:t>2026-1-29</a:t>
             </a:fld>
             <a:endParaRPr lang="zh-CN" altLang="en-US"/>
           </a:p>
@@ -552,21 +549,12 @@
             </a:pPr>
             <a:fld id="{646C11E0-8EB2-47B8-9539-C059A3A30E2D}" type="slidenum">
               <a:rPr lang="zh-CN" altLang="en-US"/>
-              <a:pPr>
-                <a:defRPr/>
-              </a:pPr>
-              <a:t>‹#›</a:t>
             </a:fld>
             <a:endParaRPr lang="zh-CN" altLang="en-US"/>
           </a:p>
         </p:txBody>
       </p:sp>
     </p:spTree>
-    <p:extLst>
-      <p:ext uri="{BB962C8B-B14F-4D97-AF65-F5344CB8AC3E}">
-        <p14:creationId xmlns:p14="http://schemas.microsoft.com/office/powerpoint/2010/main" val="411890934"/>
-      </p:ext>
-    </p:extLst>
   </p:cSld>
   <p:clrMapOvr>
     <a:masterClrMapping/>
@@ -615,10 +603,6 @@
             </a:pPr>
             <a:fld id="{BB7D446B-3ED5-4224-9C28-3832EA7EB9EC}" type="datetimeFigureOut">
               <a:rPr lang="zh-CN" altLang="en-US"/>
-              <a:pPr>
-                <a:defRPr/>
-              </a:pPr>
-              <a:t>2026-1-29</a:t>
             </a:fld>
             <a:endParaRPr lang="zh-CN" altLang="en-US"/>
           </a:p>
@@ -674,21 +658,12 @@
             </a:pPr>
             <a:fld id="{1DBCA6D5-A907-49F0-84E1-E81EE47D9E34}" type="slidenum">
               <a:rPr lang="zh-CN" altLang="en-US"/>
-              <a:pPr>
-                <a:defRPr/>
-              </a:pPr>
-              <a:t>‹#›</a:t>
             </a:fld>
             <a:endParaRPr lang="zh-CN" altLang="en-US"/>
           </a:p>
         </p:txBody>
       </p:sp>
     </p:spTree>
-    <p:extLst>
-      <p:ext uri="{BB962C8B-B14F-4D97-AF65-F5344CB8AC3E}">
-        <p14:creationId xmlns:p14="http://schemas.microsoft.com/office/powerpoint/2010/main" val="2252828056"/>
-      </p:ext>
-    </p:extLst>
   </p:cSld>
   <p:clrMapOvr>
     <a:masterClrMapping/>
@@ -714,11 +689,6 @@
         </a:xfrm>
       </p:grpSpPr>
     </p:spTree>
-    <p:extLst>
-      <p:ext uri="{BB962C8B-B14F-4D97-AF65-F5344CB8AC3E}">
-        <p14:creationId xmlns:p14="http://schemas.microsoft.com/office/powerpoint/2010/main" val="3653751139"/>
-      </p:ext>
-    </p:extLst>
   </p:cSld>
   <p:clrMapOvr>
     <a:masterClrMapping/>
@@ -752,11 +722,6 @@
         </a:xfrm>
       </p:grpSpPr>
     </p:spTree>
-    <p:extLst>
-      <p:ext uri="{BB962C8B-B14F-4D97-AF65-F5344CB8AC3E}">
-        <p14:creationId xmlns:p14="http://schemas.microsoft.com/office/powerpoint/2010/main" val="995866331"/>
-      </p:ext>
-    </p:extLst>
   </p:cSld>
   <p:clrMapOvr>
     <a:masterClrMapping/>
@@ -791,20 +756,14 @@
       </p:grpSpPr>
       <p:pic>
         <p:nvPicPr>
-          <p:cNvPr id="3" name="图片 2">
-            <a:extLst>
-              <a:ext uri="{FF2B5EF4-FFF2-40B4-BE49-F238E27FC236}">
-                <a16:creationId xmlns:a16="http://schemas.microsoft.com/office/drawing/2014/main" id="{60735622-E67C-A056-DA1D-B4A825B69935}"/>
-              </a:ext>
-            </a:extLst>
-          </p:cNvPr>
+          <p:cNvPr id="3" name="图片 2"/>
           <p:cNvPicPr>
             <a:picLocks noChangeAspect="1"/>
           </p:cNvPicPr>
           <p:nvPr userDrawn="1"/>
         </p:nvPicPr>
         <p:blipFill>
-          <a:blip r:embed="rId7" cstate="print">
+          <a:blip r:embed="rId6" cstate="print">
             <a:extLst>
               <a:ext uri="{28A0092B-C50C-407E-A947-70E740481C1C}">
                 <a14:useLocalDpi xmlns:a14="http://schemas.microsoft.com/office/drawing/2010/main" val="0"/>
@@ -868,11 +827,7 @@
           </a:extLst>
         </p:spPr>
         <p:txBody>
-          <a:bodyPr vert="horz" wrap="square" lIns="91440" tIns="45720" rIns="91440" bIns="45720" numCol="1" anchor="ctr" anchorCtr="0" compatLnSpc="1">
-            <a:prstTxWarp prst="textNoShape">
-              <a:avLst/>
-            </a:prstTxWarp>
-          </a:bodyPr>
+          <a:bodyPr vert="horz" wrap="square" lIns="91440" tIns="45720" rIns="91440" bIns="45720" numCol="1" anchor="ctr" anchorCtr="0" compatLnSpc="1"/>
           <a:lstStyle/>
           <a:p>
             <a:pPr lvl="0"/>
@@ -880,6 +835,7 @@
               <a:rPr lang="zh-CN" altLang="en-US"/>
               <a:t>单击此处编辑母版标题样式</a:t>
             </a:r>
+            <a:endParaRPr lang="zh-CN" altLang="en-US"/>
           </a:p>
         </p:txBody>
       </p:sp>
@@ -926,11 +882,7 @@
           </a:extLst>
         </p:spPr>
         <p:txBody>
-          <a:bodyPr vert="horz" wrap="square" lIns="91440" tIns="45720" rIns="91440" bIns="45720" numCol="1" anchor="t" anchorCtr="0" compatLnSpc="1">
-            <a:prstTxWarp prst="textNoShape">
-              <a:avLst/>
-            </a:prstTxWarp>
-          </a:bodyPr>
+          <a:bodyPr vert="horz" wrap="square" lIns="91440" tIns="45720" rIns="91440" bIns="45720" numCol="1" anchor="t" anchorCtr="0" compatLnSpc="1"/>
           <a:lstStyle/>
           <a:p>
             <a:pPr lvl="0"/>
@@ -938,6 +890,7 @@
               <a:rPr lang="zh-CN" altLang="en-US"/>
               <a:t>单击此处编辑母版文本样式</a:t>
             </a:r>
+            <a:endParaRPr lang="zh-CN" altLang="en-US"/>
           </a:p>
           <a:p>
             <a:pPr lvl="1"/>
@@ -945,6 +898,7 @@
               <a:rPr lang="zh-CN" altLang="en-US"/>
               <a:t>第二级</a:t>
             </a:r>
+            <a:endParaRPr lang="zh-CN" altLang="en-US"/>
           </a:p>
           <a:p>
             <a:pPr lvl="2"/>
@@ -952,6 +906,7 @@
               <a:rPr lang="zh-CN" altLang="en-US"/>
               <a:t>第三级</a:t>
             </a:r>
+            <a:endParaRPr lang="zh-CN" altLang="en-US"/>
           </a:p>
           <a:p>
             <a:pPr lvl="3"/>
@@ -959,6 +914,7 @@
               <a:rPr lang="zh-CN" altLang="en-US"/>
               <a:t>第四级</a:t>
             </a:r>
+            <a:endParaRPr lang="zh-CN" altLang="en-US"/>
           </a:p>
           <a:p>
             <a:pPr lvl="4"/>
@@ -966,6 +922,7 @@
               <a:rPr lang="zh-CN" altLang="en-US"/>
               <a:t>第五级</a:t>
             </a:r>
+            <a:endParaRPr lang="zh-CN" altLang="en-US"/>
           </a:p>
         </p:txBody>
       </p:sp>
@@ -998,7 +955,7 @@
               <a:spcAft>
                 <a:spcPts val="0"/>
               </a:spcAft>
-              <a:defRPr sz="1439">
+              <a:defRPr sz="1440">
                 <a:solidFill>
                   <a:schemeClr val="tx1">
                     <a:tint val="75000"/>
@@ -1015,10 +972,6 @@
             </a:pPr>
             <a:fld id="{82B05C74-BDFB-46EC-95E9-EB75BB1D7A44}" type="datetimeFigureOut">
               <a:rPr lang="zh-CN" altLang="en-US"/>
-              <a:pPr>
-                <a:defRPr/>
-              </a:pPr>
-              <a:t>2026-1-29</a:t>
             </a:fld>
             <a:endParaRPr lang="zh-CN" altLang="en-US"/>
           </a:p>
@@ -1053,7 +1006,7 @@
               <a:spcAft>
                 <a:spcPts val="0"/>
               </a:spcAft>
-              <a:defRPr sz="1439">
+              <a:defRPr sz="1440">
                 <a:solidFill>
                   <a:schemeClr val="tx1">
                     <a:tint val="75000"/>
@@ -1092,14 +1045,10 @@
           </a:prstGeom>
         </p:spPr>
         <p:txBody>
-          <a:bodyPr vert="horz" wrap="square" lIns="91440" tIns="45720" rIns="91440" bIns="45720" numCol="1" anchor="ctr" anchorCtr="0" compatLnSpc="1">
-            <a:prstTxWarp prst="textNoShape">
-              <a:avLst/>
-            </a:prstTxWarp>
-          </a:bodyPr>
+          <a:bodyPr vert="horz" wrap="square" lIns="91440" tIns="45720" rIns="91440" bIns="45720" numCol="1" anchor="ctr" anchorCtr="0" compatLnSpc="1"/>
           <a:lstStyle>
             <a:lvl1pPr algn="r" eaLnBrk="1" hangingPunct="1">
-              <a:defRPr sz="1439">
+              <a:defRPr sz="1440">
                 <a:solidFill>
                   <a:srgbClr val="898989"/>
                 </a:solidFill>
@@ -1112,10 +1061,6 @@
             </a:pPr>
             <a:fld id="{E69F54EE-303A-4A12-88BA-8EE9052D9B8F}" type="slidenum">
               <a:rPr lang="zh-CN" altLang="en-US"/>
-              <a:pPr>
-                <a:defRPr/>
-              </a:pPr>
-              <a:t>‹#›</a:t>
             </a:fld>
             <a:endParaRPr lang="zh-CN" altLang="en-US"/>
           </a:p>
@@ -1123,20 +1068,14 @@
       </p:sp>
       <p:pic>
         <p:nvPicPr>
-          <p:cNvPr id="8" name="图片 7">
-            <a:extLst>
-              <a:ext uri="{FF2B5EF4-FFF2-40B4-BE49-F238E27FC236}">
-                <a16:creationId xmlns:a16="http://schemas.microsoft.com/office/drawing/2014/main" id="{8D2BBA6C-C5BD-9688-0DC2-5785993376AD}"/>
-              </a:ext>
-            </a:extLst>
-          </p:cNvPr>
+          <p:cNvPr id="8" name="图片 7"/>
           <p:cNvPicPr>
             <a:picLocks noChangeAspect="1"/>
           </p:cNvPicPr>
           <p:nvPr userDrawn="1"/>
         </p:nvPicPr>
         <p:blipFill>
-          <a:blip r:embed="rId8" cstate="print">
+          <a:blip r:embed="rId7" cstate="print">
             <a:extLst>
               <a:ext uri="{28A0092B-C50C-407E-A947-70E740481C1C}">
                 <a14:useLocalDpi xmlns:a14="http://schemas.microsoft.com/office/drawing/2010/main" val="0"/>
@@ -1158,19 +1097,14 @@
         </p:spPr>
       </p:pic>
     </p:spTree>
-    <p:extLst>
-      <p:ext uri="{BB962C8B-B14F-4D97-AF65-F5344CB8AC3E}">
-        <p14:creationId xmlns:p14="http://schemas.microsoft.com/office/powerpoint/2010/main" val="1389846290"/>
-      </p:ext>
-    </p:extLst>
   </p:cSld>
   <p:clrMap bg1="lt1" tx1="dk1" bg2="lt2" tx2="dk2" accent1="accent1" accent2="accent2" accent3="accent3" accent4="accent4" accent5="accent5" accent6="accent6" hlink="hlink" folHlink="folHlink"/>
   <p:sldLayoutIdLst>
-    <p:sldLayoutId id="2147483661" r:id="rId1"/>
-    <p:sldLayoutId id="2147483662" r:id="rId2"/>
-    <p:sldLayoutId id="2147483663" r:id="rId3"/>
-    <p:sldLayoutId id="2147483664" r:id="rId4"/>
-    <p:sldLayoutId id="2147483665" r:id="rId5"/>
+    <p:sldLayoutId id="2147483649" r:id="rId1"/>
+    <p:sldLayoutId id="2147483650" r:id="rId2"/>
+    <p:sldLayoutId id="2147483651" r:id="rId3"/>
+    <p:sldLayoutId id="2147483652" r:id="rId4"/>
+    <p:sldLayoutId id="2147483653" r:id="rId5"/>
   </p:sldLayoutIdLst>
   <p:txStyles>
     <p:titleStyle>
@@ -1181,7 +1115,7 @@
         <a:spcAft>
           <a:spcPct val="0"/>
         </a:spcAft>
-        <a:defRPr sz="5277" kern="1200">
+        <a:defRPr sz="5275" kern="1200">
           <a:solidFill>
             <a:schemeClr val="tx1"/>
           </a:solidFill>
@@ -1197,12 +1131,12 @@
         <a:spcAft>
           <a:spcPct val="0"/>
         </a:spcAft>
-        <a:defRPr sz="5277">
-          <a:solidFill>
-            <a:schemeClr val="tx1"/>
-          </a:solidFill>
-          <a:latin typeface="Calibri" pitchFamily="34" charset="0"/>
-          <a:ea typeface="宋体" charset="-122"/>
+        <a:defRPr sz="5275">
+          <a:solidFill>
+            <a:schemeClr val="tx1"/>
+          </a:solidFill>
+          <a:latin typeface="Calibri" panose="020F0502020204030204" pitchFamily="34" charset="0"/>
+          <a:ea typeface="宋体" panose="02010600030101010101" pitchFamily="2" charset="-122"/>
         </a:defRPr>
       </a:lvl2pPr>
       <a:lvl3pPr algn="ctr" rtl="0" eaLnBrk="0" fontAlgn="base" hangingPunct="0">
@@ -1212,12 +1146,12 @@
         <a:spcAft>
           <a:spcPct val="0"/>
         </a:spcAft>
-        <a:defRPr sz="5277">
-          <a:solidFill>
-            <a:schemeClr val="tx1"/>
-          </a:solidFill>
-          <a:latin typeface="Calibri" pitchFamily="34" charset="0"/>
-          <a:ea typeface="宋体" charset="-122"/>
+        <a:defRPr sz="5275">
+          <a:solidFill>
+            <a:schemeClr val="tx1"/>
+          </a:solidFill>
+          <a:latin typeface="Calibri" panose="020F0502020204030204" pitchFamily="34" charset="0"/>
+          <a:ea typeface="宋体" panose="02010600030101010101" pitchFamily="2" charset="-122"/>
         </a:defRPr>
       </a:lvl3pPr>
       <a:lvl4pPr algn="ctr" rtl="0" eaLnBrk="0" fontAlgn="base" hangingPunct="0">
@@ -1227,12 +1161,12 @@
         <a:spcAft>
           <a:spcPct val="0"/>
         </a:spcAft>
-        <a:defRPr sz="5277">
-          <a:solidFill>
-            <a:schemeClr val="tx1"/>
-          </a:solidFill>
-          <a:latin typeface="Calibri" pitchFamily="34" charset="0"/>
-          <a:ea typeface="宋体" charset="-122"/>
+        <a:defRPr sz="5275">
+          <a:solidFill>
+            <a:schemeClr val="tx1"/>
+          </a:solidFill>
+          <a:latin typeface="Calibri" panose="020F0502020204030204" pitchFamily="34" charset="0"/>
+          <a:ea typeface="宋体" panose="02010600030101010101" pitchFamily="2" charset="-122"/>
         </a:defRPr>
       </a:lvl4pPr>
       <a:lvl5pPr algn="ctr" rtl="0" eaLnBrk="0" fontAlgn="base" hangingPunct="0">
@@ -1242,77 +1176,77 @@
         <a:spcAft>
           <a:spcPct val="0"/>
         </a:spcAft>
-        <a:defRPr sz="5277">
-          <a:solidFill>
-            <a:schemeClr val="tx1"/>
-          </a:solidFill>
-          <a:latin typeface="Calibri" pitchFamily="34" charset="0"/>
-          <a:ea typeface="宋体" charset="-122"/>
+        <a:defRPr sz="5275">
+          <a:solidFill>
+            <a:schemeClr val="tx1"/>
+          </a:solidFill>
+          <a:latin typeface="Calibri" panose="020F0502020204030204" pitchFamily="34" charset="0"/>
+          <a:ea typeface="宋体" panose="02010600030101010101" pitchFamily="2" charset="-122"/>
         </a:defRPr>
       </a:lvl5pPr>
-      <a:lvl6pPr marL="548320" algn="ctr" rtl="0" fontAlgn="base">
+      <a:lvl6pPr marL="548005" algn="ctr" rtl="0" fontAlgn="base">
         <a:spcBef>
           <a:spcPct val="0"/>
         </a:spcBef>
         <a:spcAft>
           <a:spcPct val="0"/>
         </a:spcAft>
-        <a:defRPr sz="5277">
-          <a:solidFill>
-            <a:schemeClr val="tx1"/>
-          </a:solidFill>
-          <a:latin typeface="Calibri" pitchFamily="34" charset="0"/>
-          <a:ea typeface="宋体" charset="-122"/>
+        <a:defRPr sz="5275">
+          <a:solidFill>
+            <a:schemeClr val="tx1"/>
+          </a:solidFill>
+          <a:latin typeface="Calibri" panose="020F0502020204030204" pitchFamily="34" charset="0"/>
+          <a:ea typeface="宋体" panose="02010600030101010101" pitchFamily="2" charset="-122"/>
         </a:defRPr>
       </a:lvl6pPr>
-      <a:lvl7pPr marL="1096640" algn="ctr" rtl="0" fontAlgn="base">
+      <a:lvl7pPr marL="1096645" algn="ctr" rtl="0" fontAlgn="base">
         <a:spcBef>
           <a:spcPct val="0"/>
         </a:spcBef>
         <a:spcAft>
           <a:spcPct val="0"/>
         </a:spcAft>
-        <a:defRPr sz="5277">
-          <a:solidFill>
-            <a:schemeClr val="tx1"/>
-          </a:solidFill>
-          <a:latin typeface="Calibri" pitchFamily="34" charset="0"/>
-          <a:ea typeface="宋体" charset="-122"/>
+        <a:defRPr sz="5275">
+          <a:solidFill>
+            <a:schemeClr val="tx1"/>
+          </a:solidFill>
+          <a:latin typeface="Calibri" panose="020F0502020204030204" pitchFamily="34" charset="0"/>
+          <a:ea typeface="宋体" panose="02010600030101010101" pitchFamily="2" charset="-122"/>
         </a:defRPr>
       </a:lvl7pPr>
-      <a:lvl8pPr marL="1644960" algn="ctr" rtl="0" fontAlgn="base">
+      <a:lvl8pPr marL="1644650" algn="ctr" rtl="0" fontAlgn="base">
         <a:spcBef>
           <a:spcPct val="0"/>
         </a:spcBef>
         <a:spcAft>
           <a:spcPct val="0"/>
         </a:spcAft>
-        <a:defRPr sz="5277">
-          <a:solidFill>
-            <a:schemeClr val="tx1"/>
-          </a:solidFill>
-          <a:latin typeface="Calibri" pitchFamily="34" charset="0"/>
-          <a:ea typeface="宋体" charset="-122"/>
+        <a:defRPr sz="5275">
+          <a:solidFill>
+            <a:schemeClr val="tx1"/>
+          </a:solidFill>
+          <a:latin typeface="Calibri" panose="020F0502020204030204" pitchFamily="34" charset="0"/>
+          <a:ea typeface="宋体" panose="02010600030101010101" pitchFamily="2" charset="-122"/>
         </a:defRPr>
       </a:lvl8pPr>
-      <a:lvl9pPr marL="2193280" algn="ctr" rtl="0" fontAlgn="base">
+      <a:lvl9pPr marL="2193290" algn="ctr" rtl="0" fontAlgn="base">
         <a:spcBef>
           <a:spcPct val="0"/>
         </a:spcBef>
         <a:spcAft>
           <a:spcPct val="0"/>
         </a:spcAft>
-        <a:defRPr sz="5277">
-          <a:solidFill>
-            <a:schemeClr val="tx1"/>
-          </a:solidFill>
-          <a:latin typeface="Calibri" pitchFamily="34" charset="0"/>
-          <a:ea typeface="宋体" charset="-122"/>
+        <a:defRPr sz="5275">
+          <a:solidFill>
+            <a:schemeClr val="tx1"/>
+          </a:solidFill>
+          <a:latin typeface="Calibri" panose="020F0502020204030204" pitchFamily="34" charset="0"/>
+          <a:ea typeface="宋体" panose="02010600030101010101" pitchFamily="2" charset="-122"/>
         </a:defRPr>
       </a:lvl9pPr>
     </p:titleStyle>
     <p:bodyStyle>
-      <a:lvl1pPr marL="411240" indent="-411240" algn="l" rtl="0" eaLnBrk="0" fontAlgn="base" hangingPunct="0">
+      <a:lvl1pPr marL="411480" indent="-411480" algn="l" rtl="0" eaLnBrk="0" fontAlgn="base" hangingPunct="0">
         <a:spcBef>
           <a:spcPct val="20000"/>
         </a:spcBef>
@@ -1321,7 +1255,7 @@
         </a:spcAft>
         <a:buFont typeface="Arial" panose="020B0604020202020204" pitchFamily="34" charset="0"/>
         <a:buChar char="•"/>
-        <a:defRPr sz="3838" kern="1200">
+        <a:defRPr sz="3840" kern="1200">
           <a:solidFill>
             <a:schemeClr val="tx1"/>
           </a:solidFill>
@@ -1330,7 +1264,7 @@
           <a:cs typeface="+mn-cs"/>
         </a:defRPr>
       </a:lvl1pPr>
-      <a:lvl2pPr marL="891020" indent="-342700" algn="l" rtl="0" eaLnBrk="0" fontAlgn="base" hangingPunct="0">
+      <a:lvl2pPr marL="890905" indent="-342900" algn="l" rtl="0" eaLnBrk="0" fontAlgn="base" hangingPunct="0">
         <a:spcBef>
           <a:spcPct val="20000"/>
         </a:spcBef>
@@ -1339,7 +1273,7 @@
         </a:spcAft>
         <a:buFont typeface="Arial" panose="020B0604020202020204" pitchFamily="34" charset="0"/>
         <a:buChar char="–"/>
-        <a:defRPr sz="3358" kern="1200">
+        <a:defRPr sz="3360" kern="1200">
           <a:solidFill>
             <a:schemeClr val="tx1"/>
           </a:solidFill>
@@ -1348,7 +1282,7 @@
           <a:cs typeface="+mn-cs"/>
         </a:defRPr>
       </a:lvl2pPr>
-      <a:lvl3pPr marL="1370800" indent="-274160" algn="l" rtl="0" eaLnBrk="0" fontAlgn="base" hangingPunct="0">
+      <a:lvl3pPr marL="1370965" indent="-274320" algn="l" rtl="0" eaLnBrk="0" fontAlgn="base" hangingPunct="0">
         <a:spcBef>
           <a:spcPct val="20000"/>
         </a:spcBef>
@@ -1357,7 +1291,7 @@
         </a:spcAft>
         <a:buFont typeface="Arial" panose="020B0604020202020204" pitchFamily="34" charset="0"/>
         <a:buChar char="•"/>
-        <a:defRPr sz="2878" kern="1200">
+        <a:defRPr sz="2880" kern="1200">
           <a:solidFill>
             <a:schemeClr val="tx1"/>
           </a:solidFill>
@@ -1366,7 +1300,7 @@
           <a:cs typeface="+mn-cs"/>
         </a:defRPr>
       </a:lvl3pPr>
-      <a:lvl4pPr marL="1919120" indent="-274160" algn="l" rtl="0" eaLnBrk="0" fontAlgn="base" hangingPunct="0">
+      <a:lvl4pPr marL="1918970" indent="-274320" algn="l" rtl="0" eaLnBrk="0" fontAlgn="base" hangingPunct="0">
         <a:spcBef>
           <a:spcPct val="20000"/>
         </a:spcBef>
@@ -1375,7 +1309,7 @@
         </a:spcAft>
         <a:buFont typeface="Arial" panose="020B0604020202020204" pitchFamily="34" charset="0"/>
         <a:buChar char="–"/>
-        <a:defRPr sz="2399" kern="1200">
+        <a:defRPr sz="2400" kern="1200">
           <a:solidFill>
             <a:schemeClr val="tx1"/>
           </a:solidFill>
@@ -1384,7 +1318,7 @@
           <a:cs typeface="+mn-cs"/>
         </a:defRPr>
       </a:lvl4pPr>
-      <a:lvl5pPr marL="2467440" indent="-274160" algn="l" rtl="0" eaLnBrk="0" fontAlgn="base" hangingPunct="0">
+      <a:lvl5pPr marL="2467610" indent="-274320" algn="l" rtl="0" eaLnBrk="0" fontAlgn="base" hangingPunct="0">
         <a:spcBef>
           <a:spcPct val="20000"/>
         </a:spcBef>
@@ -1393,7 +1327,7 @@
         </a:spcAft>
         <a:buFont typeface="Arial" panose="020B0604020202020204" pitchFamily="34" charset="0"/>
         <a:buChar char="»"/>
-        <a:defRPr sz="2399" kern="1200">
+        <a:defRPr sz="2400" kern="1200">
           <a:solidFill>
             <a:schemeClr val="tx1"/>
           </a:solidFill>
@@ -1402,13 +1336,13 @@
           <a:cs typeface="+mn-cs"/>
         </a:defRPr>
       </a:lvl5pPr>
-      <a:lvl6pPr marL="3015760" indent="-274160" algn="l" defTabSz="1096640" rtl="0" eaLnBrk="1" latinLnBrk="0" hangingPunct="1">
+      <a:lvl6pPr marL="3015615" indent="-274320" algn="l" defTabSz="1096645" rtl="0" eaLnBrk="1" latinLnBrk="0" hangingPunct="1">
         <a:spcBef>
           <a:spcPct val="20000"/>
         </a:spcBef>
         <a:buFont typeface="Arial" panose="020B0604020202020204" pitchFamily="34" charset="0"/>
         <a:buChar char="•"/>
-        <a:defRPr sz="2399" kern="1200">
+        <a:defRPr sz="2400" kern="1200">
           <a:solidFill>
             <a:schemeClr val="tx1"/>
           </a:solidFill>
@@ -1417,13 +1351,13 @@
           <a:cs typeface="+mn-cs"/>
         </a:defRPr>
       </a:lvl6pPr>
-      <a:lvl7pPr marL="3564080" indent="-274160" algn="l" defTabSz="1096640" rtl="0" eaLnBrk="1" latinLnBrk="0" hangingPunct="1">
+      <a:lvl7pPr marL="3564255" indent="-274320" algn="l" defTabSz="1096645" rtl="0" eaLnBrk="1" latinLnBrk="0" hangingPunct="1">
         <a:spcBef>
           <a:spcPct val="20000"/>
         </a:spcBef>
         <a:buFont typeface="Arial" panose="020B0604020202020204" pitchFamily="34" charset="0"/>
         <a:buChar char="•"/>
-        <a:defRPr sz="2399" kern="1200">
+        <a:defRPr sz="2400" kern="1200">
           <a:solidFill>
             <a:schemeClr val="tx1"/>
           </a:solidFill>
@@ -1432,13 +1366,13 @@
           <a:cs typeface="+mn-cs"/>
         </a:defRPr>
       </a:lvl7pPr>
-      <a:lvl8pPr marL="4112400" indent="-274160" algn="l" defTabSz="1096640" rtl="0" eaLnBrk="1" latinLnBrk="0" hangingPunct="1">
+      <a:lvl8pPr marL="4112260" indent="-274320" algn="l" defTabSz="1096645" rtl="0" eaLnBrk="1" latinLnBrk="0" hangingPunct="1">
         <a:spcBef>
           <a:spcPct val="20000"/>
         </a:spcBef>
         <a:buFont typeface="Arial" panose="020B0604020202020204" pitchFamily="34" charset="0"/>
         <a:buChar char="•"/>
-        <a:defRPr sz="2399" kern="1200">
+        <a:defRPr sz="2400" kern="1200">
           <a:solidFill>
             <a:schemeClr val="tx1"/>
           </a:solidFill>
@@ -1447,13 +1381,13 @@
           <a:cs typeface="+mn-cs"/>
         </a:defRPr>
       </a:lvl8pPr>
-      <a:lvl9pPr marL="4660720" indent="-274160" algn="l" defTabSz="1096640" rtl="0" eaLnBrk="1" latinLnBrk="0" hangingPunct="1">
+      <a:lvl9pPr marL="4660900" indent="-274320" algn="l" defTabSz="1096645" rtl="0" eaLnBrk="1" latinLnBrk="0" hangingPunct="1">
         <a:spcBef>
           <a:spcPct val="20000"/>
         </a:spcBef>
         <a:buFont typeface="Arial" panose="020B0604020202020204" pitchFamily="34" charset="0"/>
         <a:buChar char="•"/>
-        <a:defRPr sz="2399" kern="1200">
+        <a:defRPr sz="2400" kern="1200">
           <a:solidFill>
             <a:schemeClr val="tx1"/>
           </a:solidFill>
@@ -1467,8 +1401,8 @@
       <a:defPPr>
         <a:defRPr lang="zh-CN"/>
       </a:defPPr>
-      <a:lvl1pPr marL="0" algn="l" defTabSz="1096640" rtl="0" eaLnBrk="1" latinLnBrk="0" hangingPunct="1">
-        <a:defRPr sz="2159" kern="1200">
+      <a:lvl1pPr marL="0" algn="l" defTabSz="1096645" rtl="0" eaLnBrk="1" latinLnBrk="0" hangingPunct="1">
+        <a:defRPr sz="2160" kern="1200">
           <a:solidFill>
             <a:schemeClr val="tx1"/>
           </a:solidFill>
@@ -1477,8 +1411,8 @@
           <a:cs typeface="+mn-cs"/>
         </a:defRPr>
       </a:lvl1pPr>
-      <a:lvl2pPr marL="548320" algn="l" defTabSz="1096640" rtl="0" eaLnBrk="1" latinLnBrk="0" hangingPunct="1">
-        <a:defRPr sz="2159" kern="1200">
+      <a:lvl2pPr marL="548005" algn="l" defTabSz="1096645" rtl="0" eaLnBrk="1" latinLnBrk="0" hangingPunct="1">
+        <a:defRPr sz="2160" kern="1200">
           <a:solidFill>
             <a:schemeClr val="tx1"/>
           </a:solidFill>
@@ -1487,8 +1421,8 @@
           <a:cs typeface="+mn-cs"/>
         </a:defRPr>
       </a:lvl2pPr>
-      <a:lvl3pPr marL="1096640" algn="l" defTabSz="1096640" rtl="0" eaLnBrk="1" latinLnBrk="0" hangingPunct="1">
-        <a:defRPr sz="2159" kern="1200">
+      <a:lvl3pPr marL="1096645" algn="l" defTabSz="1096645" rtl="0" eaLnBrk="1" latinLnBrk="0" hangingPunct="1">
+        <a:defRPr sz="2160" kern="1200">
           <a:solidFill>
             <a:schemeClr val="tx1"/>
           </a:solidFill>
@@ -1497,8 +1431,8 @@
           <a:cs typeface="+mn-cs"/>
         </a:defRPr>
       </a:lvl3pPr>
-      <a:lvl4pPr marL="1644960" algn="l" defTabSz="1096640" rtl="0" eaLnBrk="1" latinLnBrk="0" hangingPunct="1">
-        <a:defRPr sz="2159" kern="1200">
+      <a:lvl4pPr marL="1644650" algn="l" defTabSz="1096645" rtl="0" eaLnBrk="1" latinLnBrk="0" hangingPunct="1">
+        <a:defRPr sz="2160" kern="1200">
           <a:solidFill>
             <a:schemeClr val="tx1"/>
           </a:solidFill>
@@ -1507,8 +1441,8 @@
           <a:cs typeface="+mn-cs"/>
         </a:defRPr>
       </a:lvl4pPr>
-      <a:lvl5pPr marL="2193280" algn="l" defTabSz="1096640" rtl="0" eaLnBrk="1" latinLnBrk="0" hangingPunct="1">
-        <a:defRPr sz="2159" kern="1200">
+      <a:lvl5pPr marL="2193290" algn="l" defTabSz="1096645" rtl="0" eaLnBrk="1" latinLnBrk="0" hangingPunct="1">
+        <a:defRPr sz="2160" kern="1200">
           <a:solidFill>
             <a:schemeClr val="tx1"/>
           </a:solidFill>
@@ -1517,8 +1451,8 @@
           <a:cs typeface="+mn-cs"/>
         </a:defRPr>
       </a:lvl5pPr>
-      <a:lvl6pPr marL="2741600" algn="l" defTabSz="1096640" rtl="0" eaLnBrk="1" latinLnBrk="0" hangingPunct="1">
-        <a:defRPr sz="2159" kern="1200">
+      <a:lvl6pPr marL="2741295" algn="l" defTabSz="1096645" rtl="0" eaLnBrk="1" latinLnBrk="0" hangingPunct="1">
+        <a:defRPr sz="2160" kern="1200">
           <a:solidFill>
             <a:schemeClr val="tx1"/>
           </a:solidFill>
@@ -1527,8 +1461,8 @@
           <a:cs typeface="+mn-cs"/>
         </a:defRPr>
       </a:lvl6pPr>
-      <a:lvl7pPr marL="3289920" algn="l" defTabSz="1096640" rtl="0" eaLnBrk="1" latinLnBrk="0" hangingPunct="1">
-        <a:defRPr sz="2159" kern="1200">
+      <a:lvl7pPr marL="3289935" algn="l" defTabSz="1096645" rtl="0" eaLnBrk="1" latinLnBrk="0" hangingPunct="1">
+        <a:defRPr sz="2160" kern="1200">
           <a:solidFill>
             <a:schemeClr val="tx1"/>
           </a:solidFill>
@@ -1537,8 +1471,8 @@
           <a:cs typeface="+mn-cs"/>
         </a:defRPr>
       </a:lvl7pPr>
-      <a:lvl8pPr marL="3838240" algn="l" defTabSz="1096640" rtl="0" eaLnBrk="1" latinLnBrk="0" hangingPunct="1">
-        <a:defRPr sz="2159" kern="1200">
+      <a:lvl8pPr marL="3837940" algn="l" defTabSz="1096645" rtl="0" eaLnBrk="1" latinLnBrk="0" hangingPunct="1">
+        <a:defRPr sz="2160" kern="1200">
           <a:solidFill>
             <a:schemeClr val="tx1"/>
           </a:solidFill>
@@ -1547,8 +1481,8 @@
           <a:cs typeface="+mn-cs"/>
         </a:defRPr>
       </a:lvl8pPr>
-      <a:lvl9pPr marL="4386560" algn="l" defTabSz="1096640" rtl="0" eaLnBrk="1" latinLnBrk="0" hangingPunct="1">
-        <a:defRPr sz="2159" kern="1200">
+      <a:lvl9pPr marL="4386580" algn="l" defTabSz="1096645" rtl="0" eaLnBrk="1" latinLnBrk="0" hangingPunct="1">
+        <a:defRPr sz="2160" kern="1200">
           <a:solidFill>
             <a:schemeClr val="tx1"/>
           </a:solidFill>
@@ -1559,22 +1493,6 @@
       </a:lvl9pPr>
     </p:otherStyle>
   </p:txStyles>
-  <p:extLst>
-    <p:ext uri="{27BBF7A9-308A-43DC-89C8-2F10F3537804}">
-      <p15:sldGuideLst xmlns:p15="http://schemas.microsoft.com/office/powerpoint/2012/main">
-        <p15:guide id="1" orient="horz" pos="2160">
-          <p15:clr>
-            <a:srgbClr val="F26B43"/>
-          </p15:clr>
-        </p15:guide>
-        <p15:guide id="2" pos="3840">
-          <p15:clr>
-            <a:srgbClr val="F26B43"/>
-          </p15:clr>
-        </p15:guide>
-      </p15:sldGuideLst>
-    </p:ext>
-  </p:extLst>
 </p:sldMaster>
 </file>
 
@@ -1596,11 +1514,281 @@
         </a:xfrm>
       </p:grpSpPr>
     </p:spTree>
-    <p:extLst>
-      <p:ext uri="{BB962C8B-B14F-4D97-AF65-F5344CB8AC3E}">
-        <p14:creationId xmlns:p14="http://schemas.microsoft.com/office/powerpoint/2010/main" val="526020395"/>
-      </p:ext>
-    </p:extLst>
+  </p:cSld>
+  <p:clrMapOvr>
+    <a:masterClrMapping/>
+  </p:clrMapOvr>
+</p:sld>
+</file>
+
+<file path=ppt/slides/slide10.xml><?xml version="1.0" encoding="utf-8"?>
+<p:sld xmlns:a="http://schemas.openxmlformats.org/drawingml/2006/main" xmlns:r="http://schemas.openxmlformats.org/officeDocument/2006/relationships" xmlns:p="http://schemas.openxmlformats.org/presentationml/2006/main">
+  <p:cSld>
+    <p:spTree>
+      <p:nvGrpSpPr>
+        <p:cNvPr id="1" name=""/>
+        <p:cNvGrpSpPr/>
+        <p:nvPr/>
+      </p:nvGrpSpPr>
+      <p:grpSpPr>
+        <a:xfrm>
+          <a:off x="0" y="0"/>
+          <a:ext cx="0" cy="0"/>
+          <a:chOff x="0" y="0"/>
+          <a:chExt cx="0" cy="0"/>
+        </a:xfrm>
+      </p:grpSpPr>
+    </p:spTree>
+  </p:cSld>
+  <p:clrMapOvr>
+    <a:masterClrMapping/>
+  </p:clrMapOvr>
+</p:sld>
+</file>
+
+<file path=ppt/slides/slide11.xml><?xml version="1.0" encoding="utf-8"?>
+<p:sld xmlns:a="http://schemas.openxmlformats.org/drawingml/2006/main" xmlns:r="http://schemas.openxmlformats.org/officeDocument/2006/relationships" xmlns:p="http://schemas.openxmlformats.org/presentationml/2006/main">
+  <p:cSld>
+    <p:spTree>
+      <p:nvGrpSpPr>
+        <p:cNvPr id="1" name=""/>
+        <p:cNvGrpSpPr/>
+        <p:nvPr/>
+      </p:nvGrpSpPr>
+      <p:grpSpPr>
+        <a:xfrm>
+          <a:off x="0" y="0"/>
+          <a:ext cx="0" cy="0"/>
+          <a:chOff x="0" y="0"/>
+          <a:chExt cx="0" cy="0"/>
+        </a:xfrm>
+      </p:grpSpPr>
+    </p:spTree>
+  </p:cSld>
+  <p:clrMapOvr>
+    <a:masterClrMapping/>
+  </p:clrMapOvr>
+</p:sld>
+</file>
+
+<file path=ppt/slides/slide12.xml><?xml version="1.0" encoding="utf-8"?>
+<p:sld xmlns:a="http://schemas.openxmlformats.org/drawingml/2006/main" xmlns:r="http://schemas.openxmlformats.org/officeDocument/2006/relationships" xmlns:p="http://schemas.openxmlformats.org/presentationml/2006/main">
+  <p:cSld>
+    <p:spTree>
+      <p:nvGrpSpPr>
+        <p:cNvPr id="1" name=""/>
+        <p:cNvGrpSpPr/>
+        <p:nvPr/>
+      </p:nvGrpSpPr>
+      <p:grpSpPr>
+        <a:xfrm>
+          <a:off x="0" y="0"/>
+          <a:ext cx="0" cy="0"/>
+          <a:chOff x="0" y="0"/>
+          <a:chExt cx="0" cy="0"/>
+        </a:xfrm>
+      </p:grpSpPr>
+    </p:spTree>
+  </p:cSld>
+  <p:clrMapOvr>
+    <a:masterClrMapping/>
+  </p:clrMapOvr>
+</p:sld>
+</file>
+
+<file path=ppt/slides/slide2.xml><?xml version="1.0" encoding="utf-8"?>
+<p:sld xmlns:a="http://schemas.openxmlformats.org/drawingml/2006/main" xmlns:r="http://schemas.openxmlformats.org/officeDocument/2006/relationships" xmlns:p="http://schemas.openxmlformats.org/presentationml/2006/main">
+  <p:cSld>
+    <p:spTree>
+      <p:nvGrpSpPr>
+        <p:cNvPr id="1" name=""/>
+        <p:cNvGrpSpPr/>
+        <p:nvPr/>
+      </p:nvGrpSpPr>
+      <p:grpSpPr>
+        <a:xfrm>
+          <a:off x="0" y="0"/>
+          <a:ext cx="0" cy="0"/>
+          <a:chOff x="0" y="0"/>
+          <a:chExt cx="0" cy="0"/>
+        </a:xfrm>
+      </p:grpSpPr>
+    </p:spTree>
+  </p:cSld>
+  <p:clrMapOvr>
+    <a:masterClrMapping/>
+  </p:clrMapOvr>
+</p:sld>
+</file>
+
+<file path=ppt/slides/slide3.xml><?xml version="1.0" encoding="utf-8"?>
+<p:sld xmlns:a="http://schemas.openxmlformats.org/drawingml/2006/main" xmlns:r="http://schemas.openxmlformats.org/officeDocument/2006/relationships" xmlns:p="http://schemas.openxmlformats.org/presentationml/2006/main">
+  <p:cSld>
+    <p:spTree>
+      <p:nvGrpSpPr>
+        <p:cNvPr id="1" name=""/>
+        <p:cNvGrpSpPr/>
+        <p:nvPr/>
+      </p:nvGrpSpPr>
+      <p:grpSpPr>
+        <a:xfrm>
+          <a:off x="0" y="0"/>
+          <a:ext cx="0" cy="0"/>
+          <a:chOff x="0" y="0"/>
+          <a:chExt cx="0" cy="0"/>
+        </a:xfrm>
+      </p:grpSpPr>
+    </p:spTree>
+  </p:cSld>
+  <p:clrMapOvr>
+    <a:masterClrMapping/>
+  </p:clrMapOvr>
+</p:sld>
+</file>
+
+<file path=ppt/slides/slide4.xml><?xml version="1.0" encoding="utf-8"?>
+<p:sld xmlns:a="http://schemas.openxmlformats.org/drawingml/2006/main" xmlns:r="http://schemas.openxmlformats.org/officeDocument/2006/relationships" xmlns:p="http://schemas.openxmlformats.org/presentationml/2006/main">
+  <p:cSld>
+    <p:spTree>
+      <p:nvGrpSpPr>
+        <p:cNvPr id="1" name=""/>
+        <p:cNvGrpSpPr/>
+        <p:nvPr/>
+      </p:nvGrpSpPr>
+      <p:grpSpPr>
+        <a:xfrm>
+          <a:off x="0" y="0"/>
+          <a:ext cx="0" cy="0"/>
+          <a:chOff x="0" y="0"/>
+          <a:chExt cx="0" cy="0"/>
+        </a:xfrm>
+      </p:grpSpPr>
+    </p:spTree>
+  </p:cSld>
+  <p:clrMapOvr>
+    <a:masterClrMapping/>
+  </p:clrMapOvr>
+</p:sld>
+</file>
+
+<file path=ppt/slides/slide5.xml><?xml version="1.0" encoding="utf-8"?>
+<p:sld xmlns:a="http://schemas.openxmlformats.org/drawingml/2006/main" xmlns:r="http://schemas.openxmlformats.org/officeDocument/2006/relationships" xmlns:p="http://schemas.openxmlformats.org/presentationml/2006/main">
+  <p:cSld>
+    <p:spTree>
+      <p:nvGrpSpPr>
+        <p:cNvPr id="1" name=""/>
+        <p:cNvGrpSpPr/>
+        <p:nvPr/>
+      </p:nvGrpSpPr>
+      <p:grpSpPr>
+        <a:xfrm>
+          <a:off x="0" y="0"/>
+          <a:ext cx="0" cy="0"/>
+          <a:chOff x="0" y="0"/>
+          <a:chExt cx="0" cy="0"/>
+        </a:xfrm>
+      </p:grpSpPr>
+    </p:spTree>
+  </p:cSld>
+  <p:clrMapOvr>
+    <a:masterClrMapping/>
+  </p:clrMapOvr>
+</p:sld>
+</file>
+
+<file path=ppt/slides/slide6.xml><?xml version="1.0" encoding="utf-8"?>
+<p:sld xmlns:a="http://schemas.openxmlformats.org/drawingml/2006/main" xmlns:r="http://schemas.openxmlformats.org/officeDocument/2006/relationships" xmlns:p="http://schemas.openxmlformats.org/presentationml/2006/main">
+  <p:cSld>
+    <p:spTree>
+      <p:nvGrpSpPr>
+        <p:cNvPr id="1" name=""/>
+        <p:cNvGrpSpPr/>
+        <p:nvPr/>
+      </p:nvGrpSpPr>
+      <p:grpSpPr>
+        <a:xfrm>
+          <a:off x="0" y="0"/>
+          <a:ext cx="0" cy="0"/>
+          <a:chOff x="0" y="0"/>
+          <a:chExt cx="0" cy="0"/>
+        </a:xfrm>
+      </p:grpSpPr>
+    </p:spTree>
+  </p:cSld>
+  <p:clrMapOvr>
+    <a:masterClrMapping/>
+  </p:clrMapOvr>
+</p:sld>
+</file>
+
+<file path=ppt/slides/slide7.xml><?xml version="1.0" encoding="utf-8"?>
+<p:sld xmlns:a="http://schemas.openxmlformats.org/drawingml/2006/main" xmlns:r="http://schemas.openxmlformats.org/officeDocument/2006/relationships" xmlns:p="http://schemas.openxmlformats.org/presentationml/2006/main">
+  <p:cSld>
+    <p:spTree>
+      <p:nvGrpSpPr>
+        <p:cNvPr id="1" name=""/>
+        <p:cNvGrpSpPr/>
+        <p:nvPr/>
+      </p:nvGrpSpPr>
+      <p:grpSpPr>
+        <a:xfrm>
+          <a:off x="0" y="0"/>
+          <a:ext cx="0" cy="0"/>
+          <a:chOff x="0" y="0"/>
+          <a:chExt cx="0" cy="0"/>
+        </a:xfrm>
+      </p:grpSpPr>
+    </p:spTree>
+  </p:cSld>
+  <p:clrMapOvr>
+    <a:masterClrMapping/>
+  </p:clrMapOvr>
+</p:sld>
+</file>
+
+<file path=ppt/slides/slide8.xml><?xml version="1.0" encoding="utf-8"?>
+<p:sld xmlns:a="http://schemas.openxmlformats.org/drawingml/2006/main" xmlns:r="http://schemas.openxmlformats.org/officeDocument/2006/relationships" xmlns:p="http://schemas.openxmlformats.org/presentationml/2006/main">
+  <p:cSld>
+    <p:spTree>
+      <p:nvGrpSpPr>
+        <p:cNvPr id="1" name=""/>
+        <p:cNvGrpSpPr/>
+        <p:nvPr/>
+      </p:nvGrpSpPr>
+      <p:grpSpPr>
+        <a:xfrm>
+          <a:off x="0" y="0"/>
+          <a:ext cx="0" cy="0"/>
+          <a:chOff x="0" y="0"/>
+          <a:chExt cx="0" cy="0"/>
+        </a:xfrm>
+      </p:grpSpPr>
+    </p:spTree>
+  </p:cSld>
+  <p:clrMapOvr>
+    <a:masterClrMapping/>
+  </p:clrMapOvr>
+</p:sld>
+</file>
+
+<file path=ppt/slides/slide9.xml><?xml version="1.0" encoding="utf-8"?>
+<p:sld xmlns:a="http://schemas.openxmlformats.org/drawingml/2006/main" xmlns:r="http://schemas.openxmlformats.org/officeDocument/2006/relationships" xmlns:p="http://schemas.openxmlformats.org/presentationml/2006/main">
+  <p:cSld>
+    <p:spTree>
+      <p:nvGrpSpPr>
+        <p:cNvPr id="1" name=""/>
+        <p:cNvGrpSpPr/>
+        <p:nvPr/>
+      </p:nvGrpSpPr>
+      <p:grpSpPr>
+        <a:xfrm>
+          <a:off x="0" y="0"/>
+          <a:ext cx="0" cy="0"/>
+          <a:chOff x="0" y="0"/>
+          <a:chExt cx="0" cy="0"/>
+        </a:xfrm>
+      </p:grpSpPr>
+    </p:spTree>
   </p:cSld>
   <p:clrMapOvr>
     <a:masterClrMapping/>
@@ -1917,6 +2105,10 @@
       </a:lstStyle>
     </a:spDef>
   </a:objectDefaults>
-  <a:extraClrSchemeLst/>
+  <a:extLst>
+    <a:ext uri="{05A4C25C-085E-4340-85A3-A5531E510DB2}">
+      <thm15:themeFamily xmlns:thm15="http://schemas.microsoft.com/office/thememl/2012/main" name="Office Theme" id="{62F939B6-93AF-4DB8-9C6B-D6C7DFDC589F}" vid="{4A3C46E8-61CC-4603-A589-7422A47A8E4A}"/>
+    </a:ext>
+  </a:extLst>
 </a:theme>
 </file>